--- a/StockSearchWidget.pptx
+++ b/StockSearchWidget.pptx
@@ -8,7 +8,8 @@
     <p:sldId id="256" r:id="rId2"/>
     <p:sldId id="257" r:id="rId3"/>
     <p:sldId id="259" r:id="rId4"/>
-    <p:sldId id="260" r:id="rId5"/>
+    <p:sldId id="261" r:id="rId5"/>
+    <p:sldId id="260" r:id="rId6"/>
   </p:sldIdLst>
   <p:sldSz cx="12192000" cy="6858000"/>
   <p:notesSz cx="6858000" cy="9144000"/>
@@ -107,6 +108,11 @@
       </a:defRPr>
     </a:lvl9pPr>
   </p:defaultTextStyle>
+  <p:extLst>
+    <p:ext uri="{EFAFB233-063F-42B5-8137-9DF3F51BA10A}">
+      <p15:sldGuideLst xmlns:p15="http://schemas.microsoft.com/office/powerpoint/2012/main"/>
+    </p:ext>
+  </p:extLst>
 </p:presentation>
 </file>
 
@@ -3450,6 +3456,12 @@
           <a:p>
             <a:r>
               <a:rPr lang="en-US" dirty="0"/>
+              <a:t>Screen shots</a:t>
+            </a:r>
+          </a:p>
+          <a:p>
+            <a:r>
+              <a:rPr lang="en-US" dirty="0"/>
               <a:t>Future improvements</a:t>
             </a:r>
           </a:p>
@@ -3556,6 +3568,156 @@
 </file>
 
 <file path=ppt/slides/slide4.xml><?xml version="1.0" encoding="utf-8"?>
+<p:sld xmlns:a="http://schemas.openxmlformats.org/drawingml/2006/main" xmlns:r="http://schemas.openxmlformats.org/officeDocument/2006/relationships" xmlns:p="http://schemas.openxmlformats.org/presentationml/2006/main">
+  <p:cSld>
+    <p:spTree>
+      <p:nvGrpSpPr>
+        <p:cNvPr id="1" name=""/>
+        <p:cNvGrpSpPr/>
+        <p:nvPr/>
+      </p:nvGrpSpPr>
+      <p:grpSpPr>
+        <a:xfrm>
+          <a:off x="0" y="0"/>
+          <a:ext cx="0" cy="0"/>
+          <a:chOff x="0" y="0"/>
+          <a:chExt cx="0" cy="0"/>
+        </a:xfrm>
+      </p:grpSpPr>
+      <p:sp>
+        <p:nvSpPr>
+          <p:cNvPr id="2" name="Title 1">
+            <a:extLst>
+              <a:ext uri="{FF2B5EF4-FFF2-40B4-BE49-F238E27FC236}">
+                <a16:creationId xmlns:a16="http://schemas.microsoft.com/office/drawing/2014/main" id="{12C67830-90C7-E67C-7983-23B0F53E6307}"/>
+              </a:ext>
+            </a:extLst>
+          </p:cNvPr>
+          <p:cNvSpPr>
+            <a:spLocks noGrp="1"/>
+          </p:cNvSpPr>
+          <p:nvPr>
+            <p:ph type="title"/>
+          </p:nvPr>
+        </p:nvSpPr>
+        <p:spPr/>
+        <p:txBody>
+          <a:bodyPr/>
+          <a:lstStyle/>
+          <a:p>
+            <a:r>
+              <a:rPr lang="en-US" dirty="0"/>
+              <a:t>Screen shots</a:t>
+            </a:r>
+          </a:p>
+        </p:txBody>
+      </p:sp>
+      <p:pic>
+        <p:nvPicPr>
+          <p:cNvPr id="4" name="Content Placeholder 3">
+            <a:extLst>
+              <a:ext uri="{FF2B5EF4-FFF2-40B4-BE49-F238E27FC236}">
+                <a16:creationId xmlns:a16="http://schemas.microsoft.com/office/drawing/2014/main" id="{C4C7DC90-C1E1-BDE4-4EC8-B1FE57C8FFBC}"/>
+              </a:ext>
+            </a:extLst>
+          </p:cNvPr>
+          <p:cNvPicPr>
+            <a:picLocks noGrp="1" noChangeAspect="1"/>
+          </p:cNvPicPr>
+          <p:nvPr>
+            <p:ph idx="1"/>
+          </p:nvPr>
+        </p:nvPicPr>
+        <p:blipFill>
+          <a:blip r:embed="rId2"/>
+          <a:stretch>
+            <a:fillRect/>
+          </a:stretch>
+        </p:blipFill>
+        <p:spPr>
+          <a:xfrm>
+            <a:off x="695782" y="2316993"/>
+            <a:ext cx="5112393" cy="1202529"/>
+          </a:xfrm>
+          <a:prstGeom prst="rect">
+            <a:avLst/>
+          </a:prstGeom>
+        </p:spPr>
+      </p:pic>
+      <p:pic>
+        <p:nvPicPr>
+          <p:cNvPr id="5" name="Picture 4">
+            <a:extLst>
+              <a:ext uri="{FF2B5EF4-FFF2-40B4-BE49-F238E27FC236}">
+                <a16:creationId xmlns:a16="http://schemas.microsoft.com/office/drawing/2014/main" id="{3A670147-5495-95C9-55E4-457508D9C63C}"/>
+              </a:ext>
+            </a:extLst>
+          </p:cNvPr>
+          <p:cNvPicPr>
+            <a:picLocks noChangeAspect="1"/>
+          </p:cNvPicPr>
+          <p:nvPr/>
+        </p:nvPicPr>
+        <p:blipFill>
+          <a:blip r:embed="rId3"/>
+          <a:stretch>
+            <a:fillRect/>
+          </a:stretch>
+        </p:blipFill>
+        <p:spPr>
+          <a:xfrm>
+            <a:off x="947341" y="3530191"/>
+            <a:ext cx="4609274" cy="3213591"/>
+          </a:xfrm>
+          <a:prstGeom prst="rect">
+            <a:avLst/>
+          </a:prstGeom>
+        </p:spPr>
+      </p:pic>
+      <p:pic>
+        <p:nvPicPr>
+          <p:cNvPr id="6" name="Picture 5">
+            <a:extLst>
+              <a:ext uri="{FF2B5EF4-FFF2-40B4-BE49-F238E27FC236}">
+                <a16:creationId xmlns:a16="http://schemas.microsoft.com/office/drawing/2014/main" id="{F34C576F-DB03-8677-B869-444CB9FF09F4}"/>
+              </a:ext>
+            </a:extLst>
+          </p:cNvPr>
+          <p:cNvPicPr>
+            <a:picLocks noChangeAspect="1"/>
+          </p:cNvPicPr>
+          <p:nvPr/>
+        </p:nvPicPr>
+        <p:blipFill>
+          <a:blip r:embed="rId4"/>
+          <a:stretch>
+            <a:fillRect/>
+          </a:stretch>
+        </p:blipFill>
+        <p:spPr>
+          <a:xfrm>
+            <a:off x="6383826" y="2316993"/>
+            <a:ext cx="5112392" cy="4300693"/>
+          </a:xfrm>
+          <a:prstGeom prst="rect">
+            <a:avLst/>
+          </a:prstGeom>
+        </p:spPr>
+      </p:pic>
+    </p:spTree>
+    <p:extLst>
+      <p:ext uri="{BB962C8B-B14F-4D97-AF65-F5344CB8AC3E}">
+        <p14:creationId xmlns:p14="http://schemas.microsoft.com/office/powerpoint/2010/main" val="994059425"/>
+      </p:ext>
+    </p:extLst>
+  </p:cSld>
+  <p:clrMapOvr>
+    <a:masterClrMapping/>
+  </p:clrMapOvr>
+</p:sld>
+</file>
+
+<file path=ppt/slides/slide5.xml><?xml version="1.0" encoding="utf-8"?>
 <p:sld xmlns:a="http://schemas.openxmlformats.org/drawingml/2006/main" xmlns:r="http://schemas.openxmlformats.org/officeDocument/2006/relationships" xmlns:p="http://schemas.openxmlformats.org/presentationml/2006/main">
   <p:cSld>
     <p:spTree>

--- a/StockSearchWidget.pptx
+++ b/StockSearchWidget.pptx
@@ -7,9 +7,10 @@
   <p:sldIdLst>
     <p:sldId id="256" r:id="rId2"/>
     <p:sldId id="257" r:id="rId3"/>
-    <p:sldId id="259" r:id="rId4"/>
-    <p:sldId id="261" r:id="rId5"/>
-    <p:sldId id="260" r:id="rId6"/>
+    <p:sldId id="262" r:id="rId4"/>
+    <p:sldId id="259" r:id="rId5"/>
+    <p:sldId id="261" r:id="rId6"/>
+    <p:sldId id="260" r:id="rId7"/>
   </p:sldIdLst>
   <p:sldSz cx="12192000" cy="6858000"/>
   <p:notesSz cx="6858000" cy="9144000"/>
@@ -3502,6 +3503,95 @@
           <p:cNvPr id="2" name="Title 1">
             <a:extLst>
               <a:ext uri="{FF2B5EF4-FFF2-40B4-BE49-F238E27FC236}">
+                <a16:creationId xmlns:a16="http://schemas.microsoft.com/office/drawing/2014/main" id="{A27BCE5E-C1E4-5A8D-9602-EAD814E45A96}"/>
+              </a:ext>
+            </a:extLst>
+          </p:cNvPr>
+          <p:cNvSpPr>
+            <a:spLocks noGrp="1"/>
+          </p:cNvSpPr>
+          <p:nvPr>
+            <p:ph type="title"/>
+          </p:nvPr>
+        </p:nvSpPr>
+        <p:spPr/>
+        <p:txBody>
+          <a:bodyPr/>
+          <a:lstStyle/>
+          <a:p>
+            <a:r>
+              <a:rPr lang="en-US" dirty="0"/>
+              <a:t>Problem statement</a:t>
+            </a:r>
+          </a:p>
+        </p:txBody>
+      </p:sp>
+      <p:sp>
+        <p:nvSpPr>
+          <p:cNvPr id="3" name="Content Placeholder 2">
+            <a:extLst>
+              <a:ext uri="{FF2B5EF4-FFF2-40B4-BE49-F238E27FC236}">
+                <a16:creationId xmlns:a16="http://schemas.microsoft.com/office/drawing/2014/main" id="{E0D92CF7-2240-9AF6-533C-1A610787349F}"/>
+              </a:ext>
+            </a:extLst>
+          </p:cNvPr>
+          <p:cNvSpPr>
+            <a:spLocks noGrp="1"/>
+          </p:cNvSpPr>
+          <p:nvPr>
+            <p:ph idx="1"/>
+          </p:nvPr>
+        </p:nvSpPr>
+        <p:spPr/>
+        <p:txBody>
+          <a:bodyPr/>
+          <a:lstStyle/>
+          <a:p>
+            <a:pPr marL="0" indent="0">
+              <a:buNone/>
+            </a:pPr>
+            <a:r>
+              <a:rPr lang="en-US" dirty="0"/>
+              <a:t>Build a stock picker widget which when loaded will show a search bar, user can type in the symbol of the stock. As the user input the symbol we should show an auto-complete to list all the stocks which qualify the search term. If the user clicks on any of the search item it should show all the details of the stock. If the user clicks enter or search button without autocomplete selection it should show the stock details if the symbol exist else show stock not found message.</a:t>
+            </a:r>
+          </a:p>
+        </p:txBody>
+      </p:sp>
+    </p:spTree>
+    <p:extLst>
+      <p:ext uri="{BB962C8B-B14F-4D97-AF65-F5344CB8AC3E}">
+        <p14:creationId xmlns:p14="http://schemas.microsoft.com/office/powerpoint/2010/main" val="1332892708"/>
+      </p:ext>
+    </p:extLst>
+  </p:cSld>
+  <p:clrMapOvr>
+    <a:masterClrMapping/>
+  </p:clrMapOvr>
+</p:sld>
+</file>
+
+<file path=ppt/slides/slide4.xml><?xml version="1.0" encoding="utf-8"?>
+<p:sld xmlns:a="http://schemas.openxmlformats.org/drawingml/2006/main" xmlns:r="http://schemas.openxmlformats.org/officeDocument/2006/relationships" xmlns:p="http://schemas.openxmlformats.org/presentationml/2006/main">
+  <p:cSld>
+    <p:spTree>
+      <p:nvGrpSpPr>
+        <p:cNvPr id="1" name=""/>
+        <p:cNvGrpSpPr/>
+        <p:nvPr/>
+      </p:nvGrpSpPr>
+      <p:grpSpPr>
+        <a:xfrm>
+          <a:off x="0" y="0"/>
+          <a:ext cx="0" cy="0"/>
+          <a:chOff x="0" y="0"/>
+          <a:chExt cx="0" cy="0"/>
+        </a:xfrm>
+      </p:grpSpPr>
+      <p:sp>
+        <p:nvSpPr>
+          <p:cNvPr id="2" name="Title 1">
+            <a:extLst>
+              <a:ext uri="{FF2B5EF4-FFF2-40B4-BE49-F238E27FC236}">
                 <a16:creationId xmlns:a16="http://schemas.microsoft.com/office/drawing/2014/main" id="{9833EE98-531F-6F5E-6BC2-FC4B344EF829}"/>
               </a:ext>
             </a:extLst>
@@ -3567,7 +3657,7 @@
 </p:sld>
 </file>
 
-<file path=ppt/slides/slide4.xml><?xml version="1.0" encoding="utf-8"?>
+<file path=ppt/slides/slide5.xml><?xml version="1.0" encoding="utf-8"?>
 <p:sld xmlns:a="http://schemas.openxmlformats.org/drawingml/2006/main" xmlns:r="http://schemas.openxmlformats.org/officeDocument/2006/relationships" xmlns:p="http://schemas.openxmlformats.org/presentationml/2006/main">
   <p:cSld>
     <p:spTree>
@@ -3717,7 +3807,7 @@
 </p:sld>
 </file>
 
-<file path=ppt/slides/slide5.xml><?xml version="1.0" encoding="utf-8"?>
+<file path=ppt/slides/slide6.xml><?xml version="1.0" encoding="utf-8"?>
 <p:sld xmlns:a="http://schemas.openxmlformats.org/drawingml/2006/main" xmlns:r="http://schemas.openxmlformats.org/officeDocument/2006/relationships" xmlns:p="http://schemas.openxmlformats.org/presentationml/2006/main">
   <p:cSld>
     <p:spTree>
